--- a/Presentation_Web_and_Mobile_Technologies_CA1.pptx
+++ b/Presentation_Web_and_Mobile_Technologies_CA1.pptx
@@ -344,6 +344,11 @@
       </a:defRPr>
     </a:lvl9pPr>
   </p:defaultTextStyle>
+  <p:extLst>
+    <p:ext uri="{EFAFB233-063F-42B5-8137-9DF3F51BA10A}">
+      <p15:sldGuideLst xmlns:p15="http://schemas.microsoft.com/office/powerpoint/2012/main"/>
+    </p:ext>
+  </p:extLst>
 </p:presentation>
 </file>
 
@@ -3490,7 +3495,7 @@
           </a:ln>
           <a:extLst>
             <a:ext uri="{C572A759-6A51-4108-AA02-DFA0A04FC94B}">
-              <ma14:wrappingTextBoxFlag xmlns:ma14="http://schemas.microsoft.com/office/mac/drawingml/2011/main" xmlns:a14="http://schemas.microsoft.com/office/drawing/2010/main" xmlns:m="http://schemas.openxmlformats.org/officeDocument/2006/math" xmlns="" val="1"/>
+              <ma14:wrappingTextBoxFlag xmlns="" xmlns:m="http://schemas.openxmlformats.org/officeDocument/2006/math" xmlns:a14="http://schemas.microsoft.com/office/drawing/2010/main" xmlns:ma14="http://schemas.microsoft.com/office/mac/drawingml/2011/main" val="1"/>
             </a:ext>
           </a:extLst>
         </p:spPr>
@@ -3529,7 +3534,7 @@
           </a:ln>
           <a:extLst>
             <a:ext uri="{C572A759-6A51-4108-AA02-DFA0A04FC94B}">
-              <ma14:wrappingTextBoxFlag xmlns:ma14="http://schemas.microsoft.com/office/mac/drawingml/2011/main" xmlns:a14="http://schemas.microsoft.com/office/drawing/2010/main" xmlns:m="http://schemas.openxmlformats.org/officeDocument/2006/math" xmlns="" val="1"/>
+              <ma14:wrappingTextBoxFlag xmlns="" xmlns:m="http://schemas.openxmlformats.org/officeDocument/2006/math" xmlns:a14="http://schemas.microsoft.com/office/drawing/2010/main" xmlns:ma14="http://schemas.microsoft.com/office/mac/drawingml/2011/main" val="1"/>
             </a:ext>
           </a:extLst>
         </p:spPr>
@@ -4501,7 +4506,7 @@
           </a:ln>
           <a:extLst>
             <a:ext uri="{C572A759-6A51-4108-AA02-DFA0A04FC94B}">
-              <ma14:wrappingTextBoxFlag xmlns:ma14="http://schemas.microsoft.com/office/mac/drawingml/2011/main" xmlns:a14="http://schemas.microsoft.com/office/drawing/2010/main" xmlns:m="http://schemas.openxmlformats.org/officeDocument/2006/math" xmlns="" val="1"/>
+              <ma14:wrappingTextBoxFlag xmlns="" xmlns:m="http://schemas.openxmlformats.org/officeDocument/2006/math" xmlns:a14="http://schemas.microsoft.com/office/drawing/2010/main" xmlns:ma14="http://schemas.microsoft.com/office/mac/drawingml/2011/main" val="1"/>
             </a:ext>
           </a:extLst>
         </p:spPr>
@@ -4637,7 +4642,7 @@
           </a:ln>
           <a:extLst>
             <a:ext uri="{C572A759-6A51-4108-AA02-DFA0A04FC94B}">
-              <ma14:wrappingTextBoxFlag xmlns:ma14="http://schemas.microsoft.com/office/mac/drawingml/2011/main" xmlns:a14="http://schemas.microsoft.com/office/drawing/2010/main" xmlns:m="http://schemas.openxmlformats.org/officeDocument/2006/math" xmlns="" val="1"/>
+              <ma14:wrappingTextBoxFlag xmlns="" xmlns:m="http://schemas.openxmlformats.org/officeDocument/2006/math" xmlns:a14="http://schemas.microsoft.com/office/drawing/2010/main" xmlns:ma14="http://schemas.microsoft.com/office/mac/drawingml/2011/main" val="1"/>
             </a:ext>
           </a:extLst>
         </p:spPr>
@@ -4678,8 +4683,8 @@
         </p:nvSpPr>
         <p:spPr>
           <a:xfrm>
-            <a:off x="1236837" y="7457207"/>
-            <a:ext cx="22240096" cy="3275077"/>
+            <a:off x="1236837" y="7807470"/>
+            <a:ext cx="22240096" cy="2574551"/>
           </a:xfrm>
           <a:prstGeom prst="rect">
             <a:avLst/>
@@ -4689,7 +4694,7 @@
           </a:ln>
           <a:extLst>
             <a:ext uri="{C572A759-6A51-4108-AA02-DFA0A04FC94B}">
-              <ma14:wrappingTextBoxFlag xmlns:ma14="http://schemas.microsoft.com/office/mac/drawingml/2011/main" xmlns:a14="http://schemas.microsoft.com/office/drawing/2010/main" xmlns:m="http://schemas.openxmlformats.org/officeDocument/2006/math" xmlns="" val="1"/>
+              <ma14:wrappingTextBoxFlag xmlns="" xmlns:m="http://schemas.openxmlformats.org/officeDocument/2006/math" xmlns:a14="http://schemas.microsoft.com/office/drawing/2010/main" xmlns:ma14="http://schemas.microsoft.com/office/mac/drawingml/2011/main" val="1"/>
             </a:ext>
           </a:extLst>
         </p:spPr>
@@ -4708,6 +4713,7 @@
               </a:defRPr>
             </a:pPr>
             <a:r>
+              <a:rPr dirty="0"/>
               <a:t>Team Members:</a:t>
             </a:r>
           </a:p>
@@ -4723,8 +4729,26 @@
               <a:buAutoNum type="arabicPeriod"/>
             </a:pPr>
             <a:r>
-              <a:t>Mrudula Didde - 20006086</a:t>
-            </a:r>
+              <a:rPr dirty="0" err="1"/>
+              <a:t>Mrudula</a:t>
+            </a:r>
+            <a:r>
+              <a:rPr dirty="0"/>
+              <a:t> </a:t>
+            </a:r>
+            <a:r>
+              <a:rPr dirty="0" err="1"/>
+              <a:t>Didde</a:t>
+            </a:r>
+            <a:r>
+              <a:rPr dirty="0"/>
+              <a:t> - </a:t>
+            </a:r>
+            <a:r>
+              <a:rPr lang="en-GB" dirty="0"/>
+              <a:t>NA</a:t>
+            </a:r>
+            <a:endParaRPr dirty="0"/>
           </a:p>
           <a:p>
             <a:pPr marL="698500" indent="-698500">
@@ -4738,8 +4762,14 @@
               <a:buAutoNum type="arabicPeriod"/>
             </a:pPr>
             <a:r>
-              <a:t>Gnanasekar Mani – 20020329</a:t>
-            </a:r>
+              <a:rPr dirty="0"/>
+              <a:t>Gnanasekar Mani – </a:t>
+            </a:r>
+            <a:r>
+              <a:rPr lang="en-GB" dirty="0"/>
+              <a:t>NA</a:t>
+            </a:r>
+            <a:endParaRPr dirty="0"/>
           </a:p>
           <a:p>
             <a:pPr marL="698500" indent="-698500">
@@ -4752,7 +4782,7 @@
               <a:buSzPct val="100000"/>
               <a:buAutoNum type="arabicPeriod"/>
             </a:pPr>
-            <a:endParaRPr/>
+            <a:endParaRPr dirty="0"/>
           </a:p>
           <a:p>
             <a:pPr>
@@ -4763,7 +4793,7 @@
                 <a:spcPts val="200"/>
               </a:spcBef>
             </a:pPr>
-            <a:endParaRPr/>
+            <a:endParaRPr dirty="0"/>
           </a:p>
           <a:p>
             <a:pPr marL="698500" indent="-698500">
@@ -4776,7 +4806,7 @@
               <a:buSzPct val="100000"/>
               <a:buAutoNum type="arabicPeriod" startAt="4"/>
             </a:pPr>
-            <a:endParaRPr/>
+            <a:endParaRPr dirty="0"/>
           </a:p>
           <a:p>
             <a:pPr>
@@ -4787,7 +4817,7 @@
                 <a:spcPts val="200"/>
               </a:spcBef>
             </a:pPr>
-            <a:endParaRPr/>
+            <a:endParaRPr dirty="0"/>
           </a:p>
           <a:p>
             <a:pPr>
@@ -4798,7 +4828,7 @@
                 <a:spcPts val="200"/>
               </a:spcBef>
             </a:pPr>
-            <a:endParaRPr/>
+            <a:endParaRPr dirty="0"/>
           </a:p>
           <a:p>
             <a:pPr>
@@ -4809,7 +4839,7 @@
                 <a:spcPts val="200"/>
               </a:spcBef>
             </a:pPr>
-            <a:endParaRPr/>
+            <a:endParaRPr dirty="0"/>
           </a:p>
         </p:txBody>
       </p:sp>
